--- a/Presentation & Poster/Dice Pip Detection.pptx
+++ b/Presentation & Poster/Dice Pip Detection.pptx
@@ -11,8 +11,11 @@
     <p:sldId id="262" r:id="rId5"/>
     <p:sldId id="263" r:id="rId6"/>
     <p:sldId id="264" r:id="rId7"/>
-    <p:sldId id="260" r:id="rId8"/>
-    <p:sldId id="261" r:id="rId9"/>
+    <p:sldId id="265" r:id="rId8"/>
+    <p:sldId id="260" r:id="rId9"/>
+    <p:sldId id="266" r:id="rId10"/>
+    <p:sldId id="267" r:id="rId11"/>
+    <p:sldId id="261" r:id="rId12"/>
   </p:sldIdLst>
   <p:sldSz cx="12192000" cy="6858000"/>
   <p:notesSz cx="6858000" cy="9144000"/>
@@ -289,7 +292,7 @@
             <a:fld id="{87DE6118-2437-4B30-8E3C-4D2BE6020583}" type="datetimeFigureOut">
               <a:rPr lang="en-US" dirty="0"/>
               <a:pPr/>
-              <a:t>11/30/2019</a:t>
+              <a:t>12/4/2019</a:t>
             </a:fld>
             <a:endParaRPr lang="en-US" dirty="0"/>
           </a:p>
@@ -615,7 +618,7 @@
           <a:p>
             <a:fld id="{87DE6118-2437-4B30-8E3C-4D2BE6020583}" type="datetimeFigureOut">
               <a:rPr lang="en-US" dirty="0"/>
-              <a:t>11/30/2019</a:t>
+              <a:t>12/4/2019</a:t>
             </a:fld>
             <a:endParaRPr lang="en-US" dirty="0"/>
           </a:p>
@@ -790,7 +793,7 @@
           <a:p>
             <a:fld id="{87DE6118-2437-4B30-8E3C-4D2BE6020583}" type="datetimeFigureOut">
               <a:rPr lang="en-US" dirty="0"/>
-              <a:t>11/30/2019</a:t>
+              <a:t>12/4/2019</a:t>
             </a:fld>
             <a:endParaRPr lang="en-US" dirty="0"/>
           </a:p>
@@ -955,7 +958,7 @@
           <a:p>
             <a:fld id="{87DE6118-2437-4B30-8E3C-4D2BE6020583}" type="datetimeFigureOut">
               <a:rPr lang="en-US" dirty="0"/>
-              <a:t>11/30/2019</a:t>
+              <a:t>12/4/2019</a:t>
             </a:fld>
             <a:endParaRPr lang="en-US" dirty="0"/>
           </a:p>
@@ -1228,7 +1231,7 @@
             <a:fld id="{87DE6118-2437-4B30-8E3C-4D2BE6020583}" type="datetimeFigureOut">
               <a:rPr lang="en-US" dirty="0"/>
               <a:pPr/>
-              <a:t>11/30/2019</a:t>
+              <a:t>12/4/2019</a:t>
             </a:fld>
             <a:endParaRPr lang="en-US" dirty="0"/>
           </a:p>
@@ -1618,7 +1621,7 @@
           <a:p>
             <a:fld id="{87DE6118-2437-4B30-8E3C-4D2BE6020583}" type="datetimeFigureOut">
               <a:rPr lang="en-US" dirty="0"/>
-              <a:t>11/30/2019</a:t>
+              <a:t>12/4/2019</a:t>
             </a:fld>
             <a:endParaRPr lang="en-US" dirty="0"/>
           </a:p>
@@ -2090,7 +2093,7 @@
           <a:p>
             <a:fld id="{87DE6118-2437-4B30-8E3C-4D2BE6020583}" type="datetimeFigureOut">
               <a:rPr lang="en-US" dirty="0"/>
-              <a:t>11/30/2019</a:t>
+              <a:t>12/4/2019</a:t>
             </a:fld>
             <a:endParaRPr lang="en-US" dirty="0"/>
           </a:p>
@@ -2203,7 +2206,7 @@
           <a:p>
             <a:fld id="{87DE6118-2437-4B30-8E3C-4D2BE6020583}" type="datetimeFigureOut">
               <a:rPr lang="en-US" dirty="0"/>
-              <a:t>11/30/2019</a:t>
+              <a:t>12/4/2019</a:t>
             </a:fld>
             <a:endParaRPr lang="en-US" dirty="0"/>
           </a:p>
@@ -2293,7 +2296,7 @@
           <a:p>
             <a:fld id="{87DE6118-2437-4B30-8E3C-4D2BE6020583}" type="datetimeFigureOut">
               <a:rPr lang="en-US" dirty="0"/>
-              <a:t>11/30/2019</a:t>
+              <a:t>12/4/2019</a:t>
             </a:fld>
             <a:endParaRPr lang="en-US" dirty="0"/>
           </a:p>
@@ -2635,7 +2638,7 @@
             <a:fld id="{87DE6118-2437-4B30-8E3C-4D2BE6020583}" type="datetimeFigureOut">
               <a:rPr lang="en-US" dirty="0"/>
               <a:pPr/>
-              <a:t>11/30/2019</a:t>
+              <a:t>12/4/2019</a:t>
             </a:fld>
             <a:endParaRPr lang="en-US" dirty="0"/>
           </a:p>
@@ -3020,7 +3023,7 @@
             <a:fld id="{87DE6118-2437-4B30-8E3C-4D2BE6020583}" type="datetimeFigureOut">
               <a:rPr lang="en-US" dirty="0"/>
               <a:pPr/>
-              <a:t>11/30/2019</a:t>
+              <a:t>12/4/2019</a:t>
             </a:fld>
             <a:endParaRPr lang="en-US" dirty="0"/>
           </a:p>
@@ -3295,7 +3298,7 @@
             <a:fld id="{87DE6118-2437-4B30-8E3C-4D2BE6020583}" type="datetimeFigureOut">
               <a:rPr lang="en-US" dirty="0"/>
               <a:pPr/>
-              <a:t>11/30/2019</a:t>
+              <a:t>12/4/2019</a:t>
             </a:fld>
             <a:endParaRPr lang="en-US" dirty="0"/>
           </a:p>
@@ -3872,6 +3875,172 @@
 </p:sld>
 </file>
 
+<file path=ppt/slides/slide10.xml><?xml version="1.0" encoding="utf-8"?>
+<p:sld xmlns:a="http://schemas.openxmlformats.org/drawingml/2006/main" xmlns:r="http://schemas.openxmlformats.org/officeDocument/2006/relationships" xmlns:p="http://schemas.openxmlformats.org/presentationml/2006/main">
+  <p:cSld>
+    <p:spTree>
+      <p:nvGrpSpPr>
+        <p:cNvPr id="1" name=""/>
+        <p:cNvGrpSpPr/>
+        <p:nvPr/>
+      </p:nvGrpSpPr>
+      <p:grpSpPr>
+        <a:xfrm>
+          <a:off x="0" y="0"/>
+          <a:ext cx="0" cy="0"/>
+          <a:chOff x="0" y="0"/>
+          <a:chExt cx="0" cy="0"/>
+        </a:xfrm>
+      </p:grpSpPr>
+      <p:sp>
+        <p:nvSpPr>
+          <p:cNvPr id="2" name="Title 1">
+            <a:extLst>
+              <a:ext uri="{FF2B5EF4-FFF2-40B4-BE49-F238E27FC236}">
+                <a16:creationId xmlns:a16="http://schemas.microsoft.com/office/drawing/2014/main" id="{E558BFDA-F64B-4128-A09D-0EB5CA847652}"/>
+              </a:ext>
+            </a:extLst>
+          </p:cNvPr>
+          <p:cNvSpPr>
+            <a:spLocks noGrp="1"/>
+          </p:cNvSpPr>
+          <p:nvPr>
+            <p:ph type="title"/>
+          </p:nvPr>
+        </p:nvSpPr>
+        <p:spPr/>
+        <p:txBody>
+          <a:bodyPr/>
+          <a:lstStyle/>
+          <a:p>
+            <a:r>
+              <a:rPr lang="en-US" dirty="0"/>
+              <a:t>Questions?</a:t>
+            </a:r>
+          </a:p>
+        </p:txBody>
+      </p:sp>
+      <p:sp>
+        <p:nvSpPr>
+          <p:cNvPr id="3" name="Content Placeholder 2">
+            <a:extLst>
+              <a:ext uri="{FF2B5EF4-FFF2-40B4-BE49-F238E27FC236}">
+                <a16:creationId xmlns:a16="http://schemas.microsoft.com/office/drawing/2014/main" id="{66BCD252-5FA5-42B2-BEE2-7502216BD8CB}"/>
+              </a:ext>
+            </a:extLst>
+          </p:cNvPr>
+          <p:cNvSpPr>
+            <a:spLocks noGrp="1"/>
+          </p:cNvSpPr>
+          <p:nvPr>
+            <p:ph idx="1"/>
+          </p:nvPr>
+        </p:nvSpPr>
+        <p:spPr/>
+        <p:txBody>
+          <a:bodyPr/>
+          <a:lstStyle/>
+          <a:p>
+            <a:endParaRPr lang="en-US"/>
+          </a:p>
+        </p:txBody>
+      </p:sp>
+    </p:spTree>
+    <p:extLst>
+      <p:ext uri="{BB962C8B-B14F-4D97-AF65-F5344CB8AC3E}">
+        <p14:creationId xmlns:p14="http://schemas.microsoft.com/office/powerpoint/2010/main" val="4009036824"/>
+      </p:ext>
+    </p:extLst>
+  </p:cSld>
+  <p:clrMapOvr>
+    <a:masterClrMapping/>
+  </p:clrMapOvr>
+</p:sld>
+</file>
+
+<file path=ppt/slides/slide11.xml><?xml version="1.0" encoding="utf-8"?>
+<p:sld xmlns:a="http://schemas.openxmlformats.org/drawingml/2006/main" xmlns:r="http://schemas.openxmlformats.org/officeDocument/2006/relationships" xmlns:p="http://schemas.openxmlformats.org/presentationml/2006/main">
+  <p:cSld>
+    <p:spTree>
+      <p:nvGrpSpPr>
+        <p:cNvPr id="1" name=""/>
+        <p:cNvGrpSpPr/>
+        <p:nvPr/>
+      </p:nvGrpSpPr>
+      <p:grpSpPr>
+        <a:xfrm>
+          <a:off x="0" y="0"/>
+          <a:ext cx="0" cy="0"/>
+          <a:chOff x="0" y="0"/>
+          <a:chExt cx="0" cy="0"/>
+        </a:xfrm>
+      </p:grpSpPr>
+      <p:sp>
+        <p:nvSpPr>
+          <p:cNvPr id="2" name="Title 1">
+            <a:extLst>
+              <a:ext uri="{FF2B5EF4-FFF2-40B4-BE49-F238E27FC236}">
+                <a16:creationId xmlns:a16="http://schemas.microsoft.com/office/drawing/2014/main" id="{5E03D72F-7C3C-4D28-8B12-E71694DD770D}"/>
+              </a:ext>
+            </a:extLst>
+          </p:cNvPr>
+          <p:cNvSpPr>
+            <a:spLocks noGrp="1"/>
+          </p:cNvSpPr>
+          <p:nvPr>
+            <p:ph type="title"/>
+          </p:nvPr>
+        </p:nvSpPr>
+        <p:spPr/>
+        <p:txBody>
+          <a:bodyPr/>
+          <a:lstStyle/>
+          <a:p>
+            <a:r>
+              <a:rPr lang="en-US" dirty="0"/>
+              <a:t>Applications</a:t>
+            </a:r>
+          </a:p>
+        </p:txBody>
+      </p:sp>
+      <p:sp>
+        <p:nvSpPr>
+          <p:cNvPr id="3" name="Content Placeholder 2">
+            <a:extLst>
+              <a:ext uri="{FF2B5EF4-FFF2-40B4-BE49-F238E27FC236}">
+                <a16:creationId xmlns:a16="http://schemas.microsoft.com/office/drawing/2014/main" id="{B0BE648B-8BF5-45B8-8F7B-5987408B1D4E}"/>
+              </a:ext>
+            </a:extLst>
+          </p:cNvPr>
+          <p:cNvSpPr>
+            <a:spLocks noGrp="1"/>
+          </p:cNvSpPr>
+          <p:nvPr>
+            <p:ph idx="1"/>
+          </p:nvPr>
+        </p:nvSpPr>
+        <p:spPr/>
+        <p:txBody>
+          <a:bodyPr/>
+          <a:lstStyle/>
+          <a:p>
+            <a:endParaRPr lang="en-US"/>
+          </a:p>
+        </p:txBody>
+      </p:sp>
+    </p:spTree>
+    <p:extLst>
+      <p:ext uri="{BB962C8B-B14F-4D97-AF65-F5344CB8AC3E}">
+        <p14:creationId xmlns:p14="http://schemas.microsoft.com/office/powerpoint/2010/main" val="3920653048"/>
+      </p:ext>
+    </p:extLst>
+  </p:cSld>
+  <p:clrMapOvr>
+    <a:masterClrMapping/>
+  </p:clrMapOvr>
+</p:sld>
+</file>
+
 <file path=ppt/slides/slide2.xml><?xml version="1.0" encoding="utf-8"?>
 <p:sld xmlns:a="http://schemas.openxmlformats.org/drawingml/2006/main" xmlns:r="http://schemas.openxmlformats.org/officeDocument/2006/relationships" xmlns:p="http://schemas.openxmlformats.org/presentationml/2006/main">
   <p:cSld>
@@ -4302,7 +4471,7 @@
         </p:blipFill>
         <p:spPr>
           <a:xfrm>
-            <a:off x="1371599" y="2061576"/>
+            <a:off x="1219200" y="2061576"/>
             <a:ext cx="4783946" cy="4339224"/>
           </a:xfrm>
         </p:spPr>
@@ -4329,7 +4498,7 @@
         </p:blipFill>
         <p:spPr>
           <a:xfrm>
-            <a:off x="6210555" y="2061576"/>
+            <a:off x="6172200" y="2061576"/>
             <a:ext cx="4783946" cy="4339224"/>
           </a:xfrm>
           <a:prstGeom prst="rect">
@@ -4388,31 +4557,541 @@
           <a:bodyPr/>
           <a:lstStyle/>
           <a:p>
-            <a:endParaRPr lang="en-US"/>
-          </a:p>
-        </p:txBody>
-      </p:sp>
-      <p:sp>
-        <p:nvSpPr>
-          <p:cNvPr id="3" name="Content Placeholder 2">
+            <a:pPr algn="ctr"/>
+            <a:r>
+              <a:rPr lang="en-US" dirty="0"/>
+              <a:t>Iterate through closed contours and isolate pips</a:t>
+            </a:r>
+          </a:p>
+        </p:txBody>
+      </p:sp>
+      <p:pic>
+        <p:nvPicPr>
+          <p:cNvPr id="5" name="Content Placeholder 4" descr="A picture containing drawing&#10;&#10;Description automatically generated">
             <a:extLst>
               <a:ext uri="{FF2B5EF4-FFF2-40B4-BE49-F238E27FC236}">
-                <a16:creationId xmlns:a16="http://schemas.microsoft.com/office/drawing/2014/main" id="{E08FE30C-35B1-4E76-9C1F-7A4E9E315CCD}"/>
+                <a16:creationId xmlns:a16="http://schemas.microsoft.com/office/drawing/2014/main" id="{9D1867B7-B58A-4003-8361-7489777DD269}"/>
               </a:ext>
             </a:extLst>
           </p:cNvPr>
-          <p:cNvSpPr>
-            <a:spLocks noGrp="1"/>
-          </p:cNvSpPr>
+          <p:cNvPicPr>
+            <a:picLocks noGrp="1" noChangeAspect="1"/>
+          </p:cNvPicPr>
           <p:nvPr>
             <p:ph idx="1"/>
           </p:nvPr>
-        </p:nvSpPr>
-        <p:spPr/>
-        <p:txBody>
-          <a:bodyPr/>
+        </p:nvPicPr>
+        <p:blipFill>
+          <a:blip r:embed="rId2"/>
+          <a:stretch>
+            <a:fillRect/>
+          </a:stretch>
+        </p:blipFill>
+        <p:spPr>
+          <a:xfrm>
+            <a:off x="9810588" y="2706449"/>
+            <a:ext cx="1162212" cy="1438476"/>
+          </a:xfrm>
+        </p:spPr>
+      </p:pic>
+      <p:pic>
+        <p:nvPicPr>
+          <p:cNvPr id="7" name="Picture 6" descr="A picture containing meter&#10;&#10;Description automatically generated">
+            <a:extLst>
+              <a:ext uri="{FF2B5EF4-FFF2-40B4-BE49-F238E27FC236}">
+                <a16:creationId xmlns:a16="http://schemas.microsoft.com/office/drawing/2014/main" id="{D7AD2095-8B5A-442C-AA7D-54F78355978B}"/>
+              </a:ext>
+            </a:extLst>
+          </p:cNvPr>
+          <p:cNvPicPr>
+            <a:picLocks noChangeAspect="1"/>
+          </p:cNvPicPr>
+          <p:nvPr/>
+        </p:nvPicPr>
+        <p:blipFill>
+          <a:blip r:embed="rId3"/>
+          <a:stretch>
+            <a:fillRect/>
+          </a:stretch>
+        </p:blipFill>
+        <p:spPr>
+          <a:xfrm>
+            <a:off x="3443247" y="2705101"/>
+            <a:ext cx="1162212" cy="1438476"/>
+          </a:xfrm>
+          <a:prstGeom prst="rect">
+            <a:avLst/>
+          </a:prstGeom>
+        </p:spPr>
+      </p:pic>
+      <p:pic>
+        <p:nvPicPr>
+          <p:cNvPr id="9" name="Picture 8" descr="A close up of a logo&#10;&#10;Description automatically generated">
+            <a:extLst>
+              <a:ext uri="{FF2B5EF4-FFF2-40B4-BE49-F238E27FC236}">
+                <a16:creationId xmlns:a16="http://schemas.microsoft.com/office/drawing/2014/main" id="{9FFA7105-2EF8-4F13-AE02-7189D09AE7F6}"/>
+              </a:ext>
+            </a:extLst>
+          </p:cNvPr>
+          <p:cNvPicPr>
+            <a:picLocks noChangeAspect="1"/>
+          </p:cNvPicPr>
+          <p:nvPr/>
+        </p:nvPicPr>
+        <p:blipFill>
+          <a:blip r:embed="rId4"/>
+          <a:stretch>
+            <a:fillRect/>
+          </a:stretch>
+        </p:blipFill>
+        <p:spPr>
+          <a:xfrm>
+            <a:off x="7662741" y="2705101"/>
+            <a:ext cx="1162212" cy="1438476"/>
+          </a:xfrm>
+          <a:prstGeom prst="rect">
+            <a:avLst/>
+          </a:prstGeom>
+        </p:spPr>
+      </p:pic>
+      <p:pic>
+        <p:nvPicPr>
+          <p:cNvPr id="11" name="Picture 10" descr="A picture containing indoor, meter, white&#10;&#10;Description automatically generated">
+            <a:extLst>
+              <a:ext uri="{FF2B5EF4-FFF2-40B4-BE49-F238E27FC236}">
+                <a16:creationId xmlns:a16="http://schemas.microsoft.com/office/drawing/2014/main" id="{08F9C2AC-49C7-4B0C-9C10-A4B10C015729}"/>
+              </a:ext>
+            </a:extLst>
+          </p:cNvPr>
+          <p:cNvPicPr>
+            <a:picLocks noChangeAspect="1"/>
+          </p:cNvPicPr>
+          <p:nvPr/>
+        </p:nvPicPr>
+        <p:blipFill>
+          <a:blip r:embed="rId5"/>
+          <a:stretch>
+            <a:fillRect/>
+          </a:stretch>
+        </p:blipFill>
+        <p:spPr>
+          <a:xfrm>
+            <a:off x="1371600" y="2709762"/>
+            <a:ext cx="1162212" cy="1438476"/>
+          </a:xfrm>
+          <a:prstGeom prst="rect">
+            <a:avLst/>
+          </a:prstGeom>
+        </p:spPr>
+      </p:pic>
+      <p:pic>
+        <p:nvPicPr>
+          <p:cNvPr id="13" name="Picture 12" descr="A picture containing drawing&#10;&#10;Description automatically generated">
+            <a:extLst>
+              <a:ext uri="{FF2B5EF4-FFF2-40B4-BE49-F238E27FC236}">
+                <a16:creationId xmlns:a16="http://schemas.microsoft.com/office/drawing/2014/main" id="{A56EBB05-72DB-4A8C-8861-3F174B886AF0}"/>
+              </a:ext>
+            </a:extLst>
+          </p:cNvPr>
+          <p:cNvPicPr>
+            <a:picLocks noChangeAspect="1"/>
+          </p:cNvPicPr>
+          <p:nvPr/>
+        </p:nvPicPr>
+        <p:blipFill>
+          <a:blip r:embed="rId6"/>
+          <a:stretch>
+            <a:fillRect/>
+          </a:stretch>
+        </p:blipFill>
+        <p:spPr>
+          <a:xfrm>
+            <a:off x="5514894" y="2709762"/>
+            <a:ext cx="1162212" cy="1438476"/>
+          </a:xfrm>
+          <a:prstGeom prst="rect">
+            <a:avLst/>
+          </a:prstGeom>
+        </p:spPr>
+      </p:pic>
+      <p:sp>
+        <p:nvSpPr>
+          <p:cNvPr id="14" name="TextBox 13">
+            <a:extLst>
+              <a:ext uri="{FF2B5EF4-FFF2-40B4-BE49-F238E27FC236}">
+                <a16:creationId xmlns:a16="http://schemas.microsoft.com/office/drawing/2014/main" id="{1E836B3F-4CE4-4D09-933F-1D7BA3C37B48}"/>
+              </a:ext>
+            </a:extLst>
+          </p:cNvPr>
+          <p:cNvSpPr txBox="1"/>
+          <p:nvPr/>
+        </p:nvSpPr>
+        <p:spPr>
+          <a:xfrm>
+            <a:off x="1271750" y="4227428"/>
+            <a:ext cx="1361911" cy="369332"/>
+          </a:xfrm>
+          <a:prstGeom prst="rect">
+            <a:avLst/>
+          </a:prstGeom>
+          <a:noFill/>
+        </p:spPr>
+        <p:txBody>
+          <a:bodyPr wrap="none" rtlCol="0">
+            <a:spAutoFit/>
+          </a:bodyPr>
           <a:lstStyle/>
           <a:p>
+            <a:r>
+              <a:rPr lang="en-US" dirty="0"/>
+              <a:t>Crop out die</a:t>
+            </a:r>
+          </a:p>
+        </p:txBody>
+      </p:sp>
+      <p:sp>
+        <p:nvSpPr>
+          <p:cNvPr id="15" name="TextBox 14">
+            <a:extLst>
+              <a:ext uri="{FF2B5EF4-FFF2-40B4-BE49-F238E27FC236}">
+                <a16:creationId xmlns:a16="http://schemas.microsoft.com/office/drawing/2014/main" id="{E9CE3989-06FC-4958-B243-3A79C416DC7F}"/>
+              </a:ext>
+            </a:extLst>
+          </p:cNvPr>
+          <p:cNvSpPr txBox="1"/>
+          <p:nvPr/>
+        </p:nvSpPr>
+        <p:spPr>
+          <a:xfrm>
+            <a:off x="3251545" y="4227428"/>
+            <a:ext cx="1545616" cy="369332"/>
+          </a:xfrm>
+          <a:prstGeom prst="rect">
+            <a:avLst/>
+          </a:prstGeom>
+          <a:noFill/>
+        </p:spPr>
+        <p:txBody>
+          <a:bodyPr wrap="none" rtlCol="0">
+            <a:spAutoFit/>
+          </a:bodyPr>
+          <a:lstStyle/>
+          <a:p>
+            <a:r>
+              <a:rPr lang="en-US" dirty="0"/>
+              <a:t>Gaussian Blur</a:t>
+            </a:r>
+          </a:p>
+        </p:txBody>
+      </p:sp>
+      <p:sp>
+        <p:nvSpPr>
+          <p:cNvPr id="16" name="TextBox 15">
+            <a:extLst>
+              <a:ext uri="{FF2B5EF4-FFF2-40B4-BE49-F238E27FC236}">
+                <a16:creationId xmlns:a16="http://schemas.microsoft.com/office/drawing/2014/main" id="{74A225D7-7B4E-43CD-9CDA-07951E1464A3}"/>
+              </a:ext>
+            </a:extLst>
+          </p:cNvPr>
+          <p:cNvSpPr txBox="1"/>
+          <p:nvPr/>
+        </p:nvSpPr>
+        <p:spPr>
+          <a:xfrm>
+            <a:off x="5268690" y="4227428"/>
+            <a:ext cx="1654620" cy="369332"/>
+          </a:xfrm>
+          <a:prstGeom prst="rect">
+            <a:avLst/>
+          </a:prstGeom>
+          <a:noFill/>
+        </p:spPr>
+        <p:txBody>
+          <a:bodyPr wrap="none" rtlCol="0">
+            <a:spAutoFit/>
+          </a:bodyPr>
+          <a:lstStyle/>
+          <a:p>
+            <a:r>
+              <a:rPr lang="en-US" dirty="0"/>
+              <a:t>Otsu Threshold</a:t>
+            </a:r>
+          </a:p>
+        </p:txBody>
+      </p:sp>
+      <p:sp>
+        <p:nvSpPr>
+          <p:cNvPr id="17" name="TextBox 16">
+            <a:extLst>
+              <a:ext uri="{FF2B5EF4-FFF2-40B4-BE49-F238E27FC236}">
+                <a16:creationId xmlns:a16="http://schemas.microsoft.com/office/drawing/2014/main" id="{3D7C486B-4464-4406-BF4B-4EFC5E99B1D5}"/>
+              </a:ext>
+            </a:extLst>
+          </p:cNvPr>
+          <p:cNvSpPr txBox="1"/>
+          <p:nvPr/>
+        </p:nvSpPr>
+        <p:spPr>
+          <a:xfrm>
+            <a:off x="7648876" y="4227428"/>
+            <a:ext cx="1189941" cy="646331"/>
+          </a:xfrm>
+          <a:prstGeom prst="rect">
+            <a:avLst/>
+          </a:prstGeom>
+          <a:noFill/>
+        </p:spPr>
+        <p:txBody>
+          <a:bodyPr wrap="none" rtlCol="0">
+            <a:spAutoFit/>
+          </a:bodyPr>
+          <a:lstStyle/>
+          <a:p>
+            <a:pPr algn="ctr"/>
+            <a:r>
+              <a:rPr lang="en-US" dirty="0"/>
+              <a:t>Bucket Fill</a:t>
+            </a:r>
+          </a:p>
+          <a:p>
+            <a:pPr algn="ctr"/>
+            <a:r>
+              <a:rPr lang="en-US" dirty="0"/>
+              <a:t>Corners</a:t>
+            </a:r>
+          </a:p>
+        </p:txBody>
+      </p:sp>
+      <p:sp>
+        <p:nvSpPr>
+          <p:cNvPr id="18" name="TextBox 17">
+            <a:extLst>
+              <a:ext uri="{FF2B5EF4-FFF2-40B4-BE49-F238E27FC236}">
+                <a16:creationId xmlns:a16="http://schemas.microsoft.com/office/drawing/2014/main" id="{9FCBD394-0EA9-4C82-BE2B-93654BD55447}"/>
+              </a:ext>
+            </a:extLst>
+          </p:cNvPr>
+          <p:cNvSpPr txBox="1"/>
+          <p:nvPr/>
+        </p:nvSpPr>
+        <p:spPr>
+          <a:xfrm>
+            <a:off x="9586986" y="4227428"/>
+            <a:ext cx="1609415" cy="923330"/>
+          </a:xfrm>
+          <a:prstGeom prst="rect">
+            <a:avLst/>
+          </a:prstGeom>
+          <a:noFill/>
+        </p:spPr>
+        <p:txBody>
+          <a:bodyPr wrap="none" rtlCol="0">
+            <a:spAutoFit/>
+          </a:bodyPr>
+          <a:lstStyle/>
+          <a:p>
+            <a:pPr algn="ctr"/>
+            <a:r>
+              <a:rPr lang="en-US" dirty="0"/>
+              <a:t>Count Pips</a:t>
+            </a:r>
+          </a:p>
+          <a:p>
+            <a:pPr algn="ctr"/>
+            <a:r>
+              <a:rPr lang="en-US" dirty="0"/>
+              <a:t>via</a:t>
+            </a:r>
+          </a:p>
+          <a:p>
+            <a:pPr algn="ctr"/>
+            <a:r>
+              <a:rPr lang="en-US" dirty="0"/>
+              <a:t>Blob Detection</a:t>
+            </a:r>
+          </a:p>
+        </p:txBody>
+      </p:sp>
+      <p:sp>
+        <p:nvSpPr>
+          <p:cNvPr id="26" name="Arrow: Right 25">
+            <a:extLst>
+              <a:ext uri="{FF2B5EF4-FFF2-40B4-BE49-F238E27FC236}">
+                <a16:creationId xmlns:a16="http://schemas.microsoft.com/office/drawing/2014/main" id="{DE03AB73-6B7B-439D-B05E-8B547D78BD51}"/>
+              </a:ext>
+            </a:extLst>
+          </p:cNvPr>
+          <p:cNvSpPr/>
+          <p:nvPr/>
+        </p:nvSpPr>
+        <p:spPr>
+          <a:xfrm>
+            <a:off x="2633661" y="3440668"/>
+            <a:ext cx="745633" cy="369332"/>
+          </a:xfrm>
+          <a:prstGeom prst="rightArrow">
+            <a:avLst/>
+          </a:prstGeom>
+        </p:spPr>
+        <p:style>
+          <a:lnRef idx="2">
+            <a:schemeClr val="accent1">
+              <a:shade val="50000"/>
+            </a:schemeClr>
+          </a:lnRef>
+          <a:fillRef idx="1">
+            <a:schemeClr val="accent1"/>
+          </a:fillRef>
+          <a:effectRef idx="0">
+            <a:schemeClr val="accent1"/>
+          </a:effectRef>
+          <a:fontRef idx="minor">
+            <a:schemeClr val="lt1"/>
+          </a:fontRef>
+        </p:style>
+        <p:txBody>
+          <a:bodyPr rtlCol="0" anchor="ctr"/>
+          <a:lstStyle/>
+          <a:p>
+            <a:pPr algn="ctr"/>
+            <a:endParaRPr lang="en-US"/>
+          </a:p>
+        </p:txBody>
+      </p:sp>
+      <p:sp>
+        <p:nvSpPr>
+          <p:cNvPr id="27" name="Arrow: Right 26">
+            <a:extLst>
+              <a:ext uri="{FF2B5EF4-FFF2-40B4-BE49-F238E27FC236}">
+                <a16:creationId xmlns:a16="http://schemas.microsoft.com/office/drawing/2014/main" id="{C02BF055-B07D-4778-B264-622955150C4B}"/>
+              </a:ext>
+            </a:extLst>
+          </p:cNvPr>
+          <p:cNvSpPr/>
+          <p:nvPr/>
+        </p:nvSpPr>
+        <p:spPr>
+          <a:xfrm>
+            <a:off x="4699068" y="3424339"/>
+            <a:ext cx="745633" cy="369332"/>
+          </a:xfrm>
+          <a:prstGeom prst="rightArrow">
+            <a:avLst/>
+          </a:prstGeom>
+        </p:spPr>
+        <p:style>
+          <a:lnRef idx="2">
+            <a:schemeClr val="accent1">
+              <a:shade val="50000"/>
+            </a:schemeClr>
+          </a:lnRef>
+          <a:fillRef idx="1">
+            <a:schemeClr val="accent1"/>
+          </a:fillRef>
+          <a:effectRef idx="0">
+            <a:schemeClr val="accent1"/>
+          </a:effectRef>
+          <a:fontRef idx="minor">
+            <a:schemeClr val="lt1"/>
+          </a:fontRef>
+        </p:style>
+        <p:txBody>
+          <a:bodyPr rtlCol="0" anchor="ctr"/>
+          <a:lstStyle/>
+          <a:p>
+            <a:pPr algn="ctr"/>
+            <a:endParaRPr lang="en-US"/>
+          </a:p>
+        </p:txBody>
+      </p:sp>
+      <p:sp>
+        <p:nvSpPr>
+          <p:cNvPr id="28" name="Arrow: Right 27">
+            <a:extLst>
+              <a:ext uri="{FF2B5EF4-FFF2-40B4-BE49-F238E27FC236}">
+                <a16:creationId xmlns:a16="http://schemas.microsoft.com/office/drawing/2014/main" id="{BD4A5E92-C2EB-436E-A1B6-8FEFCF09991C}"/>
+              </a:ext>
+            </a:extLst>
+          </p:cNvPr>
+          <p:cNvSpPr/>
+          <p:nvPr/>
+        </p:nvSpPr>
+        <p:spPr>
+          <a:xfrm>
+            <a:off x="6814297" y="3376136"/>
+            <a:ext cx="745633" cy="369332"/>
+          </a:xfrm>
+          <a:prstGeom prst="rightArrow">
+            <a:avLst/>
+          </a:prstGeom>
+        </p:spPr>
+        <p:style>
+          <a:lnRef idx="2">
+            <a:schemeClr val="accent1">
+              <a:shade val="50000"/>
+            </a:schemeClr>
+          </a:lnRef>
+          <a:fillRef idx="1">
+            <a:schemeClr val="accent1"/>
+          </a:fillRef>
+          <a:effectRef idx="0">
+            <a:schemeClr val="accent1"/>
+          </a:effectRef>
+          <a:fontRef idx="minor">
+            <a:schemeClr val="lt1"/>
+          </a:fontRef>
+        </p:style>
+        <p:txBody>
+          <a:bodyPr rtlCol="0" anchor="ctr"/>
+          <a:lstStyle/>
+          <a:p>
+            <a:pPr algn="ctr"/>
+            <a:endParaRPr lang="en-US"/>
+          </a:p>
+        </p:txBody>
+      </p:sp>
+      <p:sp>
+        <p:nvSpPr>
+          <p:cNvPr id="29" name="Arrow: Right 28">
+            <a:extLst>
+              <a:ext uri="{FF2B5EF4-FFF2-40B4-BE49-F238E27FC236}">
+                <a16:creationId xmlns:a16="http://schemas.microsoft.com/office/drawing/2014/main" id="{41203DA2-9BC7-4931-A4EF-EEB46D2D208A}"/>
+              </a:ext>
+            </a:extLst>
+          </p:cNvPr>
+          <p:cNvSpPr/>
+          <p:nvPr/>
+        </p:nvSpPr>
+        <p:spPr>
+          <a:xfrm>
+            <a:off x="8977149" y="3376136"/>
+            <a:ext cx="745633" cy="369332"/>
+          </a:xfrm>
+          <a:prstGeom prst="rightArrow">
+            <a:avLst/>
+          </a:prstGeom>
+        </p:spPr>
+        <p:style>
+          <a:lnRef idx="2">
+            <a:schemeClr val="accent1">
+              <a:shade val="50000"/>
+            </a:schemeClr>
+          </a:lnRef>
+          <a:fillRef idx="1">
+            <a:schemeClr val="accent1"/>
+          </a:fillRef>
+          <a:effectRef idx="0">
+            <a:schemeClr val="accent1"/>
+          </a:effectRef>
+          <a:fontRef idx="minor">
+            <a:schemeClr val="lt1"/>
+          </a:fontRef>
+        </p:style>
+        <p:txBody>
+          <a:bodyPr rtlCol="0" anchor="ctr"/>
+          <a:lstStyle/>
+          <a:p>
+            <a:pPr algn="ctr"/>
             <a:endParaRPr lang="en-US"/>
           </a:p>
         </p:txBody>
@@ -4452,7 +5131,7 @@
           <p:cNvPr id="2" name="Title 1">
             <a:extLst>
               <a:ext uri="{FF2B5EF4-FFF2-40B4-BE49-F238E27FC236}">
-                <a16:creationId xmlns:a16="http://schemas.microsoft.com/office/drawing/2014/main" id="{1082BDC0-D935-4157-A520-E93E47AAC20A}"/>
+                <a16:creationId xmlns:a16="http://schemas.microsoft.com/office/drawing/2014/main" id="{3E13907E-32A9-4949-A3EE-19B7329EBD8F}"/>
               </a:ext>
             </a:extLst>
           </p:cNvPr>
@@ -4468,42 +5147,47 @@
           <a:bodyPr/>
           <a:lstStyle/>
           <a:p>
+            <a:pPr algn="ctr"/>
             <a:r>
               <a:rPr lang="en-US" dirty="0"/>
-              <a:t>Problems Faced</a:t>
-            </a:r>
-          </a:p>
-        </p:txBody>
-      </p:sp>
-      <p:sp>
-        <p:nvSpPr>
-          <p:cNvPr id="3" name="Content Placeholder 2">
+              <a:t>Draw Bounding Boxes and Pip Count</a:t>
+            </a:r>
+          </a:p>
+        </p:txBody>
+      </p:sp>
+      <p:pic>
+        <p:nvPicPr>
+          <p:cNvPr id="5" name="Content Placeholder 4" descr="A picture containing indoor, computer, small, bunch&#10;&#10;Description automatically generated">
             <a:extLst>
               <a:ext uri="{FF2B5EF4-FFF2-40B4-BE49-F238E27FC236}">
-                <a16:creationId xmlns:a16="http://schemas.microsoft.com/office/drawing/2014/main" id="{F683F07F-B40D-4B5C-B03D-0852CF670AB6}"/>
+                <a16:creationId xmlns:a16="http://schemas.microsoft.com/office/drawing/2014/main" id="{50E693CA-B4D1-42C0-BD85-1C56B6D9B96B}"/>
               </a:ext>
             </a:extLst>
           </p:cNvPr>
-          <p:cNvSpPr>
-            <a:spLocks noGrp="1"/>
-          </p:cNvSpPr>
+          <p:cNvPicPr>
+            <a:picLocks noGrp="1" noChangeAspect="1"/>
+          </p:cNvPicPr>
           <p:nvPr>
             <p:ph idx="1"/>
           </p:nvPr>
-        </p:nvSpPr>
-        <p:spPr/>
-        <p:txBody>
-          <a:bodyPr/>
-          <a:lstStyle/>
-          <a:p>
-            <a:endParaRPr lang="en-US"/>
-          </a:p>
-        </p:txBody>
-      </p:sp>
+        </p:nvPicPr>
+        <p:blipFill>
+          <a:blip r:embed="rId2"/>
+          <a:stretch>
+            <a:fillRect/>
+          </a:stretch>
+        </p:blipFill>
+        <p:spPr>
+          <a:xfrm>
+            <a:off x="3422650" y="1653192"/>
+            <a:ext cx="5346700" cy="4849664"/>
+          </a:xfrm>
+        </p:spPr>
+      </p:pic>
     </p:spTree>
     <p:extLst>
       <p:ext uri="{BB962C8B-B14F-4D97-AF65-F5344CB8AC3E}">
-        <p14:creationId xmlns:p14="http://schemas.microsoft.com/office/powerpoint/2010/main" val="3832351869"/>
+        <p14:creationId xmlns:p14="http://schemas.microsoft.com/office/powerpoint/2010/main" val="4121954380"/>
       </p:ext>
     </p:extLst>
   </p:cSld>
@@ -4535,7 +5219,7 @@
           <p:cNvPr id="2" name="Title 1">
             <a:extLst>
               <a:ext uri="{FF2B5EF4-FFF2-40B4-BE49-F238E27FC236}">
-                <a16:creationId xmlns:a16="http://schemas.microsoft.com/office/drawing/2014/main" id="{5E03D72F-7C3C-4D28-8B12-E71694DD770D}"/>
+                <a16:creationId xmlns:a16="http://schemas.microsoft.com/office/drawing/2014/main" id="{1082BDC0-D935-4157-A520-E93E47AAC20A}"/>
               </a:ext>
             </a:extLst>
           </p:cNvPr>
@@ -4553,7 +5237,7 @@
           <a:p>
             <a:r>
               <a:rPr lang="en-US" dirty="0"/>
-              <a:t>Applications</a:t>
+              <a:t>Problems Faced</a:t>
             </a:r>
           </a:p>
         </p:txBody>
@@ -4563,7 +5247,7 @@
           <p:cNvPr id="3" name="Content Placeholder 2">
             <a:extLst>
               <a:ext uri="{FF2B5EF4-FFF2-40B4-BE49-F238E27FC236}">
-                <a16:creationId xmlns:a16="http://schemas.microsoft.com/office/drawing/2014/main" id="{B0BE648B-8BF5-45B8-8F7B-5987408B1D4E}"/>
+                <a16:creationId xmlns:a16="http://schemas.microsoft.com/office/drawing/2014/main" id="{F683F07F-B40D-4B5C-B03D-0852CF670AB6}"/>
               </a:ext>
             </a:extLst>
           </p:cNvPr>
@@ -4574,19 +5258,174 @@
             <p:ph idx="1"/>
           </p:nvPr>
         </p:nvSpPr>
-        <p:spPr/>
-        <p:txBody>
-          <a:bodyPr/>
+        <p:spPr>
+          <a:xfrm>
+            <a:off x="1371600" y="2019300"/>
+            <a:ext cx="9601200" cy="4356100"/>
+          </a:xfrm>
+        </p:spPr>
+        <p:txBody>
+          <a:bodyPr>
+            <a:normAutofit/>
+          </a:bodyPr>
           <a:lstStyle/>
           <a:p>
-            <a:endParaRPr lang="en-US"/>
+            <a:r>
+              <a:rPr lang="en-US" sz="3200" dirty="0"/>
+              <a:t>Lighting</a:t>
+            </a:r>
+          </a:p>
+          <a:p>
+            <a:pPr lvl="1"/>
+            <a:r>
+              <a:rPr lang="en-US" sz="3200" dirty="0"/>
+              <a:t>Solved by heavy constraints</a:t>
+            </a:r>
+          </a:p>
+          <a:p>
+            <a:r>
+              <a:rPr lang="en-US" sz="3200" dirty="0"/>
+              <a:t>Small Gaps in Contours</a:t>
+            </a:r>
+          </a:p>
+          <a:p>
+            <a:pPr lvl="1"/>
+            <a:r>
+              <a:rPr lang="en-US" sz="3200" dirty="0"/>
+              <a:t>No easy solution</a:t>
+            </a:r>
+          </a:p>
+          <a:p>
+            <a:r>
+              <a:rPr lang="en-US" sz="3200" dirty="0"/>
+              <a:t>Overlapping and Directly Adjacent Dice</a:t>
+            </a:r>
+          </a:p>
+          <a:p>
+            <a:pPr lvl="1"/>
+            <a:r>
+              <a:rPr lang="en-US" sz="3200" dirty="0"/>
+              <a:t>Might not need to be solved</a:t>
+            </a:r>
+          </a:p>
+          <a:p>
+            <a:r>
+              <a:rPr lang="en-US" sz="3200" dirty="0"/>
+              <a:t>Other small issues</a:t>
+            </a:r>
           </a:p>
         </p:txBody>
       </p:sp>
     </p:spTree>
     <p:extLst>
       <p:ext uri="{BB962C8B-B14F-4D97-AF65-F5344CB8AC3E}">
-        <p14:creationId xmlns:p14="http://schemas.microsoft.com/office/powerpoint/2010/main" val="3920653048"/>
+        <p14:creationId xmlns:p14="http://schemas.microsoft.com/office/powerpoint/2010/main" val="3832351869"/>
+      </p:ext>
+    </p:extLst>
+  </p:cSld>
+  <p:clrMapOvr>
+    <a:masterClrMapping/>
+  </p:clrMapOvr>
+</p:sld>
+</file>
+
+<file path=ppt/slides/slide9.xml><?xml version="1.0" encoding="utf-8"?>
+<p:sld xmlns:a="http://schemas.openxmlformats.org/drawingml/2006/main" xmlns:r="http://schemas.openxmlformats.org/officeDocument/2006/relationships" xmlns:p="http://schemas.openxmlformats.org/presentationml/2006/main">
+  <p:cSld>
+    <p:spTree>
+      <p:nvGrpSpPr>
+        <p:cNvPr id="1" name=""/>
+        <p:cNvGrpSpPr/>
+        <p:nvPr/>
+      </p:nvGrpSpPr>
+      <p:grpSpPr>
+        <a:xfrm>
+          <a:off x="0" y="0"/>
+          <a:ext cx="0" cy="0"/>
+          <a:chOff x="0" y="0"/>
+          <a:chExt cx="0" cy="0"/>
+        </a:xfrm>
+      </p:grpSpPr>
+      <p:sp>
+        <p:nvSpPr>
+          <p:cNvPr id="2" name="Title 1">
+            <a:extLst>
+              <a:ext uri="{FF2B5EF4-FFF2-40B4-BE49-F238E27FC236}">
+                <a16:creationId xmlns:a16="http://schemas.microsoft.com/office/drawing/2014/main" id="{7C29E1C3-AF6A-4232-8AF6-3A457D69F625}"/>
+              </a:ext>
+            </a:extLst>
+          </p:cNvPr>
+          <p:cNvSpPr>
+            <a:spLocks noGrp="1"/>
+          </p:cNvSpPr>
+          <p:nvPr>
+            <p:ph type="title"/>
+          </p:nvPr>
+        </p:nvSpPr>
+        <p:spPr/>
+        <p:txBody>
+          <a:bodyPr/>
+          <a:lstStyle/>
+          <a:p>
+            <a:r>
+              <a:rPr lang="en-US" dirty="0"/>
+              <a:t>Future Work</a:t>
+            </a:r>
+          </a:p>
+        </p:txBody>
+      </p:sp>
+      <p:sp>
+        <p:nvSpPr>
+          <p:cNvPr id="3" name="Content Placeholder 2">
+            <a:extLst>
+              <a:ext uri="{FF2B5EF4-FFF2-40B4-BE49-F238E27FC236}">
+                <a16:creationId xmlns:a16="http://schemas.microsoft.com/office/drawing/2014/main" id="{471D6600-8F95-4867-9E91-62F05AC8215C}"/>
+              </a:ext>
+            </a:extLst>
+          </p:cNvPr>
+          <p:cNvSpPr>
+            <a:spLocks noGrp="1"/>
+          </p:cNvSpPr>
+          <p:nvPr>
+            <p:ph idx="1"/>
+          </p:nvPr>
+        </p:nvSpPr>
+        <p:spPr/>
+        <p:txBody>
+          <a:bodyPr>
+            <a:normAutofit/>
+          </a:bodyPr>
+          <a:lstStyle/>
+          <a:p>
+            <a:r>
+              <a:rPr lang="en-US" sz="3200" dirty="0"/>
+              <a:t>Improve detection/fix bugs</a:t>
+            </a:r>
+          </a:p>
+          <a:p>
+            <a:endParaRPr lang="en-US" sz="3200" dirty="0"/>
+          </a:p>
+          <a:p>
+            <a:r>
+              <a:rPr lang="en-US" sz="3200" dirty="0"/>
+              <a:t>Broaden detection scope (colored dice, numbered dice)</a:t>
+            </a:r>
+          </a:p>
+          <a:p>
+            <a:endParaRPr lang="en-US" sz="3200" dirty="0"/>
+          </a:p>
+          <a:p>
+            <a:r>
+              <a:rPr lang="en-US" sz="3200" dirty="0"/>
+              <a:t>Machine Learning approach</a:t>
+            </a:r>
+          </a:p>
+        </p:txBody>
+      </p:sp>
+    </p:spTree>
+    <p:extLst>
+      <p:ext uri="{BB962C8B-B14F-4D97-AF65-F5344CB8AC3E}">
+        <p14:creationId xmlns:p14="http://schemas.microsoft.com/office/powerpoint/2010/main" val="3532935052"/>
       </p:ext>
     </p:extLst>
   </p:cSld>
